--- a/LapSlides/Week5_ER Diagram.pptx
+++ b/LapSlides/Week5_ER Diagram.pptx
@@ -117,6 +117,11 @@
       </a:defRPr>
     </a:lvl9pPr>
   </p:defaultTextStyle>
+  <p:extLst>
+    <p:ext uri="{EFAFB233-063F-42B5-8137-9DF3F51BA10A}">
+      <p15:sldGuideLst xmlns:p15="http://schemas.microsoft.com/office/powerpoint/2012/main"/>
+    </p:ext>
+  </p:extLst>
 </p:presentation>
 </file>
 
@@ -980,7 +985,7 @@
           <a:p>
             <a:fld id="{84139368-940E-4207-8FE1-7438365FD8BF}" type="datetimeFigureOut">
               <a:rPr lang="tr-TR" smtClean="0"/>
-              <a:t>22.03.2024</a:t>
+              <a:t>30.03.2024</a:t>
             </a:fld>
             <a:endParaRPr lang="tr-TR"/>
           </a:p>
@@ -1180,7 +1185,7 @@
           <a:p>
             <a:fld id="{84139368-940E-4207-8FE1-7438365FD8BF}" type="datetimeFigureOut">
               <a:rPr lang="tr-TR" smtClean="0"/>
-              <a:t>22.03.2024</a:t>
+              <a:t>30.03.2024</a:t>
             </a:fld>
             <a:endParaRPr lang="tr-TR"/>
           </a:p>
@@ -1390,7 +1395,7 @@
           <a:p>
             <a:fld id="{84139368-940E-4207-8FE1-7438365FD8BF}" type="datetimeFigureOut">
               <a:rPr lang="tr-TR" smtClean="0"/>
-              <a:t>22.03.2024</a:t>
+              <a:t>30.03.2024</a:t>
             </a:fld>
             <a:endParaRPr lang="tr-TR"/>
           </a:p>
@@ -1590,7 +1595,7 @@
           <a:p>
             <a:fld id="{84139368-940E-4207-8FE1-7438365FD8BF}" type="datetimeFigureOut">
               <a:rPr lang="tr-TR" smtClean="0"/>
-              <a:t>22.03.2024</a:t>
+              <a:t>30.03.2024</a:t>
             </a:fld>
             <a:endParaRPr lang="tr-TR"/>
           </a:p>
@@ -1866,7 +1871,7 @@
           <a:p>
             <a:fld id="{84139368-940E-4207-8FE1-7438365FD8BF}" type="datetimeFigureOut">
               <a:rPr lang="tr-TR" smtClean="0"/>
-              <a:t>22.03.2024</a:t>
+              <a:t>30.03.2024</a:t>
             </a:fld>
             <a:endParaRPr lang="tr-TR"/>
           </a:p>
@@ -2134,7 +2139,7 @@
           <a:p>
             <a:fld id="{84139368-940E-4207-8FE1-7438365FD8BF}" type="datetimeFigureOut">
               <a:rPr lang="tr-TR" smtClean="0"/>
-              <a:t>22.03.2024</a:t>
+              <a:t>30.03.2024</a:t>
             </a:fld>
             <a:endParaRPr lang="tr-TR"/>
           </a:p>
@@ -2549,7 +2554,7 @@
           <a:p>
             <a:fld id="{84139368-940E-4207-8FE1-7438365FD8BF}" type="datetimeFigureOut">
               <a:rPr lang="tr-TR" smtClean="0"/>
-              <a:t>22.03.2024</a:t>
+              <a:t>30.03.2024</a:t>
             </a:fld>
             <a:endParaRPr lang="tr-TR"/>
           </a:p>
@@ -2691,7 +2696,7 @@
           <a:p>
             <a:fld id="{84139368-940E-4207-8FE1-7438365FD8BF}" type="datetimeFigureOut">
               <a:rPr lang="tr-TR" smtClean="0"/>
-              <a:t>22.03.2024</a:t>
+              <a:t>30.03.2024</a:t>
             </a:fld>
             <a:endParaRPr lang="tr-TR"/>
           </a:p>
@@ -2804,7 +2809,7 @@
           <a:p>
             <a:fld id="{84139368-940E-4207-8FE1-7438365FD8BF}" type="datetimeFigureOut">
               <a:rPr lang="tr-TR" smtClean="0"/>
-              <a:t>22.03.2024</a:t>
+              <a:t>30.03.2024</a:t>
             </a:fld>
             <a:endParaRPr lang="tr-TR"/>
           </a:p>
@@ -3117,7 +3122,7 @@
           <a:p>
             <a:fld id="{84139368-940E-4207-8FE1-7438365FD8BF}" type="datetimeFigureOut">
               <a:rPr lang="tr-TR" smtClean="0"/>
-              <a:t>22.03.2024</a:t>
+              <a:t>30.03.2024</a:t>
             </a:fld>
             <a:endParaRPr lang="tr-TR"/>
           </a:p>
@@ -3406,7 +3411,7 @@
           <a:p>
             <a:fld id="{84139368-940E-4207-8FE1-7438365FD8BF}" type="datetimeFigureOut">
               <a:rPr lang="tr-TR" smtClean="0"/>
-              <a:t>22.03.2024</a:t>
+              <a:t>30.03.2024</a:t>
             </a:fld>
             <a:endParaRPr lang="tr-TR"/>
           </a:p>
@@ -3649,7 +3654,7 @@
           <a:p>
             <a:fld id="{84139368-940E-4207-8FE1-7438365FD8BF}" type="datetimeFigureOut">
               <a:rPr lang="tr-TR" smtClean="0"/>
-              <a:t>22.03.2024</a:t>
+              <a:t>30.03.2024</a:t>
             </a:fld>
             <a:endParaRPr lang="tr-TR"/>
           </a:p>
@@ -9655,7 +9660,7 @@
         </p:blipFill>
         <p:spPr bwMode="auto">
           <a:xfrm>
-            <a:off x="4654296" y="630936"/>
+            <a:off x="5350454" y="630936"/>
             <a:ext cx="5776579" cy="3913632"/>
           </a:xfrm>
           <a:prstGeom prst="rect">
